--- a/M10515005/KDD.pptx
+++ b/M10515005/KDD.pptx
@@ -10246,6 +10246,14 @@
               <a:rPr lang="en-US" altLang="zh-TW" sz="2400" dirty="0" smtClean="0"/>
               <a:t>Work</a:t>
             </a:r>
+            <a:r>
+              <a:rPr lang="zh-TW" altLang="en-US" sz="2400" dirty="0" smtClean="0"/>
+              <a:t> </a:t>
+            </a:r>
+            <a:endParaRPr lang="en-US" altLang="zh-TW" sz="2400" smtClean="0"/>
+          </a:p>
+          <a:p>
+            <a:endParaRPr lang="en-US" altLang="zh-TW" sz="2400" dirty="0" smtClean="0"/>
           </a:p>
         </p:txBody>
       </p:sp>
